--- a/SujetsApplicationsPedagogiques/Epreuve_01_CPGE_PSI_Correcteurs_Exemple.pptx
+++ b/SujetsApplicationsPedagogiques/Epreuve_01_CPGE_PSI_Correcteurs_Exemple.pptx
@@ -3084,7 +3084,7 @@
           <a:p>
             <a:fld id="{8AF8E714-27C3-48F5-86D6-55C61E49433C}" type="datetimeFigureOut">
               <a:rPr lang="fr-FR" smtClean="0"/>
-              <a:t>11/04/2023</a:t>
+              <a:t>12/04/2023</a:t>
             </a:fld>
             <a:endParaRPr lang="fr-FR"/>
           </a:p>
@@ -3249,7 +3249,7 @@
           <a:p>
             <a:fld id="{0198A5FA-8F0A-4416-A5C2-E78A06059D0C}" type="datetimeFigureOut">
               <a:rPr lang="fr-FR" smtClean="0"/>
-              <a:t>11/04/2023</a:t>
+              <a:t>12/04/2023</a:t>
             </a:fld>
             <a:endParaRPr lang="fr-FR"/>
           </a:p>
@@ -3746,7 +3746,7 @@
           <a:p>
             <a:fld id="{18F212C7-C25B-4E13-BC63-0C058408C3DC}" type="datetime1">
               <a:rPr lang="fr-FR" smtClean="0"/>
-              <a:t>11/04/2023</a:t>
+              <a:t>12/04/2023</a:t>
             </a:fld>
             <a:endParaRPr lang="fr-FR"/>
           </a:p>
@@ -3995,7 +3995,7 @@
           <a:p>
             <a:fld id="{7884CBF2-2DF5-494E-8776-2FD1968CE0B4}" type="datetime1">
               <a:rPr lang="fr-FR" smtClean="0"/>
-              <a:t>11/04/2023</a:t>
+              <a:t>12/04/2023</a:t>
             </a:fld>
             <a:endParaRPr lang="fr-FR"/>
           </a:p>
@@ -4254,7 +4254,7 @@
           <a:p>
             <a:fld id="{2C47814E-35F0-4314-AAF8-FC82144246D7}" type="datetime1">
               <a:rPr lang="fr-FR" smtClean="0"/>
-              <a:t>11/04/2023</a:t>
+              <a:t>12/04/2023</a:t>
             </a:fld>
             <a:endParaRPr lang="fr-FR"/>
           </a:p>
@@ -4431,7 +4431,7 @@
           <a:p>
             <a:fld id="{2B50DD6E-D3CA-4B1B-AC1B-A352A6D1F9A7}" type="datetime1">
               <a:rPr lang="fr-FR" smtClean="0"/>
-              <a:t>11/04/2023</a:t>
+              <a:t>12/04/2023</a:t>
             </a:fld>
             <a:endParaRPr lang="fr-FR"/>
           </a:p>
@@ -4777,7 +4777,7 @@
           <a:p>
             <a:fld id="{F4511DAB-3E25-4D19-9974-19C3825CDE9E}" type="datetime1">
               <a:rPr lang="fr-FR" smtClean="0"/>
-              <a:t>11/04/2023</a:t>
+              <a:t>12/04/2023</a:t>
             </a:fld>
             <a:endParaRPr lang="fr-FR"/>
           </a:p>
@@ -5055,7 +5055,7 @@
           <a:p>
             <a:fld id="{774A7719-52D2-4F7E-8519-BFEC4130C0D5}" type="datetime1">
               <a:rPr lang="fr-FR" smtClean="0"/>
-              <a:t>11/04/2023</a:t>
+              <a:t>12/04/2023</a:t>
             </a:fld>
             <a:endParaRPr lang="fr-FR"/>
           </a:p>
@@ -5437,7 +5437,7 @@
           <a:p>
             <a:fld id="{DEB60771-CDA5-4161-AD36-665A4FB597E8}" type="datetime1">
               <a:rPr lang="fr-FR" smtClean="0"/>
-              <a:t>11/04/2023</a:t>
+              <a:t>12/04/2023</a:t>
             </a:fld>
             <a:endParaRPr lang="fr-FR"/>
           </a:p>
@@ -5558,7 +5558,7 @@
           <a:p>
             <a:fld id="{D77A84AF-31D2-497E-8818-6E4ACBD0D9E2}" type="datetime1">
               <a:rPr lang="fr-FR" smtClean="0"/>
-              <a:t>11/04/2023</a:t>
+              <a:t>12/04/2023</a:t>
             </a:fld>
             <a:endParaRPr lang="fr-FR"/>
           </a:p>
@@ -5732,7 +5732,7 @@
           <a:p>
             <a:fld id="{D3A224B6-B481-490E-BCE4-66B9F929459C}" type="datetime1">
               <a:rPr lang="fr-FR" smtClean="0"/>
-              <a:t>11/04/2023</a:t>
+              <a:t>12/04/2023</a:t>
             </a:fld>
             <a:endParaRPr lang="fr-FR"/>
           </a:p>
@@ -6089,7 +6089,7 @@
           <a:p>
             <a:fld id="{237C5D7A-3DE0-47F2-8757-A9EB968D07BF}" type="datetime1">
               <a:rPr lang="fr-FR" smtClean="0"/>
-              <a:t>11/04/2023</a:t>
+              <a:t>12/04/2023</a:t>
             </a:fld>
             <a:endParaRPr lang="fr-FR"/>
           </a:p>
@@ -6474,7 +6474,7 @@
           <a:p>
             <a:fld id="{16F43A9A-9D1D-47FC-A484-8CDD02F949F7}" type="datetime1">
               <a:rPr lang="fr-FR" smtClean="0"/>
-              <a:t>11/04/2023</a:t>
+              <a:t>12/04/2023</a:t>
             </a:fld>
             <a:endParaRPr lang="fr-FR"/>
           </a:p>
@@ -6767,7 +6767,7 @@
           <a:p>
             <a:fld id="{06D95A87-1CBE-4538-A091-5E1C5EF16A09}" type="datetime1">
               <a:rPr lang="fr-FR" smtClean="0"/>
-              <a:t>11/04/2023</a:t>
+              <a:t>12/04/2023</a:t>
             </a:fld>
             <a:endParaRPr lang="fr-FR" dirty="0"/>
           </a:p>
@@ -12421,8 +12421,8 @@
           </a:p>
         </p:txBody>
       </p:sp>
-      <mc:AlternateContent xmlns:mc="http://schemas.openxmlformats.org/markup-compatibility/2006">
-        <mc:Choice xmlns:a14="http://schemas.microsoft.com/office/drawing/2010/main" Requires="a14">
+      <mc:AlternateContent xmlns:mc="http://schemas.openxmlformats.org/markup-compatibility/2006" xmlns:a14="http://schemas.microsoft.com/office/drawing/2010/main">
+        <mc:Choice Requires="a14">
           <p:sp>
             <p:nvSpPr>
               <p:cNvPr id="3" name="Espace réservé du contenu 2">
@@ -12543,13 +12543,7 @@
                               <a:rPr lang="fr-FR" b="0" i="1" smtClean="0">
                                 <a:latin typeface="Cambria Math" panose="02040503050406030204" pitchFamily="18" charset="0"/>
                               </a:rPr>
-                              <m:t>1+2</m:t>
-                            </m:r>
-                            <m:r>
-                              <a:rPr lang="fr-FR" b="0" i="1" smtClean="0">
-                                <a:latin typeface="Cambria Math" panose="02040503050406030204" pitchFamily="18" charset="0"/>
-                              </a:rPr>
-                              <m:t>×</m:t>
+                              <m:t>1+2×</m:t>
                             </m:r>
                             <m:f>
                               <m:fPr>
@@ -12691,7 +12685,7 @@
             </p:txBody>
           </p:sp>
         </mc:Choice>
-        <mc:Fallback>
+        <mc:Fallback xmlns="">
           <p:sp>
             <p:nvSpPr>
               <p:cNvPr id="3" name="Espace réservé du contenu 2">
